--- a/PPT/12 Ant使用.pptx
+++ b/PPT/12 Ant使用.pptx
@@ -25,7 +25,7 @@
     <p:sldId id="281" r:id="rId16"/>
     <p:sldId id="289" r:id="rId17"/>
   </p:sldIdLst>
-  <p:sldSz cx="9144000" cy="6858000" type="screen4x3"/>
+  <p:sldSz cx="9144000" cy="5143500" type="screen16x9"/>
   <p:notesSz cx="6858000" cy="9144000"/>
   <p:defaultTextStyle>
     <a:defPPr>
@@ -1739,8 +1739,8 @@
       </dsp:nvSpPr>
       <dsp:spPr>
         <a:xfrm>
-          <a:off x="6086059" y="3053859"/>
-          <a:ext cx="935963" cy="568155"/>
+          <a:off x="5619840" y="2290639"/>
+          <a:ext cx="702416" cy="426385"/>
         </a:xfrm>
         <a:custGeom>
           <a:avLst/>
@@ -1754,13 +1754,13 @@
                 <a:pt x="0" y="0"/>
               </a:moveTo>
               <a:lnTo>
-                <a:pt x="0" y="387181"/>
+                <a:pt x="0" y="290569"/>
               </a:lnTo>
               <a:lnTo>
-                <a:pt x="935963" y="387181"/>
+                <a:pt x="702416" y="290569"/>
               </a:lnTo>
               <a:lnTo>
-                <a:pt x="935963" y="568155"/>
+                <a:pt x="702416" y="426385"/>
               </a:lnTo>
             </a:path>
           </a:pathLst>
@@ -1800,8 +1800,8 @@
       </dsp:nvSpPr>
       <dsp:spPr>
         <a:xfrm>
-          <a:off x="5137241" y="3053859"/>
-          <a:ext cx="948817" cy="568155"/>
+          <a:off x="4907777" y="2290639"/>
+          <a:ext cx="712063" cy="426385"/>
         </a:xfrm>
         <a:custGeom>
           <a:avLst/>
@@ -1812,16 +1812,16 @@
           <a:pathLst>
             <a:path>
               <a:moveTo>
-                <a:pt x="948817" y="0"/>
+                <a:pt x="712063" y="0"/>
               </a:moveTo>
               <a:lnTo>
-                <a:pt x="948817" y="387181"/>
+                <a:pt x="712063" y="290569"/>
               </a:lnTo>
               <a:lnTo>
-                <a:pt x="0" y="387181"/>
+                <a:pt x="0" y="290569"/>
               </a:lnTo>
               <a:lnTo>
-                <a:pt x="0" y="568155"/>
+                <a:pt x="0" y="426385"/>
               </a:lnTo>
             </a:path>
           </a:pathLst>
@@ -1861,8 +1861,8 @@
       </dsp:nvSpPr>
       <dsp:spPr>
         <a:xfrm>
-          <a:off x="3976142" y="1245205"/>
-          <a:ext cx="2109917" cy="568155"/>
+          <a:off x="4036402" y="933291"/>
+          <a:ext cx="1583438" cy="426385"/>
         </a:xfrm>
         <a:custGeom>
           <a:avLst/>
@@ -1876,13 +1876,13 @@
                 <a:pt x="0" y="0"/>
               </a:moveTo>
               <a:lnTo>
-                <a:pt x="0" y="387181"/>
+                <a:pt x="0" y="290569"/>
               </a:lnTo>
               <a:lnTo>
-                <a:pt x="2109917" y="387181"/>
+                <a:pt x="1583438" y="290569"/>
               </a:lnTo>
               <a:lnTo>
-                <a:pt x="2109917" y="568155"/>
+                <a:pt x="1583438" y="426385"/>
               </a:lnTo>
             </a:path>
           </a:pathLst>
@@ -1922,8 +1922,8 @@
       </dsp:nvSpPr>
       <dsp:spPr>
         <a:xfrm>
-          <a:off x="2224328" y="3053859"/>
-          <a:ext cx="972719" cy="568155"/>
+          <a:off x="2721710" y="2290639"/>
+          <a:ext cx="730000" cy="426385"/>
         </a:xfrm>
         <a:custGeom>
           <a:avLst/>
@@ -1937,13 +1937,13 @@
                 <a:pt x="0" y="0"/>
               </a:moveTo>
               <a:lnTo>
-                <a:pt x="0" y="387181"/>
+                <a:pt x="0" y="290569"/>
               </a:lnTo>
               <a:lnTo>
-                <a:pt x="972719" y="387181"/>
+                <a:pt x="730000" y="290569"/>
               </a:lnTo>
               <a:lnTo>
-                <a:pt x="972719" y="568155"/>
+                <a:pt x="730000" y="426385"/>
               </a:lnTo>
             </a:path>
           </a:pathLst>
@@ -1983,8 +1983,8 @@
       </dsp:nvSpPr>
       <dsp:spPr>
         <a:xfrm>
-          <a:off x="1220098" y="3053859"/>
-          <a:ext cx="1004230" cy="568155"/>
+          <a:off x="1968061" y="2290639"/>
+          <a:ext cx="753648" cy="426385"/>
         </a:xfrm>
         <a:custGeom>
           <a:avLst/>
@@ -1995,16 +1995,16 @@
           <a:pathLst>
             <a:path>
               <a:moveTo>
-                <a:pt x="1004230" y="0"/>
+                <a:pt x="753648" y="0"/>
               </a:moveTo>
               <a:lnTo>
-                <a:pt x="1004230" y="387181"/>
+                <a:pt x="753648" y="290569"/>
               </a:lnTo>
               <a:lnTo>
-                <a:pt x="0" y="387181"/>
+                <a:pt x="0" y="290569"/>
               </a:lnTo>
               <a:lnTo>
-                <a:pt x="0" y="568155"/>
+                <a:pt x="0" y="426385"/>
               </a:lnTo>
             </a:path>
           </a:pathLst>
@@ -2044,8 +2044,8 @@
       </dsp:nvSpPr>
       <dsp:spPr>
         <a:xfrm>
-          <a:off x="2224328" y="1245205"/>
-          <a:ext cx="1751813" cy="568155"/>
+          <a:off x="2721710" y="933291"/>
+          <a:ext cx="1314691" cy="426385"/>
         </a:xfrm>
         <a:custGeom>
           <a:avLst/>
@@ -2056,16 +2056,16 @@
           <a:pathLst>
             <a:path>
               <a:moveTo>
-                <a:pt x="1751813" y="0"/>
+                <a:pt x="1314691" y="0"/>
               </a:moveTo>
               <a:lnTo>
-                <a:pt x="1751813" y="387181"/>
+                <a:pt x="1314691" y="290569"/>
               </a:lnTo>
               <a:lnTo>
-                <a:pt x="0" y="387181"/>
+                <a:pt x="0" y="290569"/>
               </a:lnTo>
               <a:lnTo>
-                <a:pt x="0" y="568155"/>
+                <a:pt x="0" y="426385"/>
               </a:lnTo>
             </a:path>
           </a:pathLst>
@@ -2105,8 +2105,8 @@
       </dsp:nvSpPr>
       <dsp:spPr>
         <a:xfrm>
-          <a:off x="2776364" y="4706"/>
-          <a:ext cx="2399554" cy="1240498"/>
+          <a:off x="3135999" y="2328"/>
+          <a:ext cx="1800804" cy="930962"/>
         </a:xfrm>
         <a:prstGeom prst="roundRect">
           <a:avLst>
@@ -2157,8 +2157,8 @@
       </dsp:nvSpPr>
       <dsp:spPr>
         <a:xfrm>
-          <a:off x="2993424" y="210913"/>
-          <a:ext cx="2399554" cy="1240498"/>
+          <a:off x="3298897" y="157081"/>
+          <a:ext cx="1800804" cy="930962"/>
         </a:xfrm>
         <a:prstGeom prst="roundRect">
           <a:avLst>
@@ -2259,8 +2259,8 @@
         </a:p>
       </dsp:txBody>
       <dsp:txXfrm>
-        <a:off x="3029757" y="247246"/>
-        <a:ext cx="2326888" cy="1167832"/>
+        <a:off x="3326164" y="184348"/>
+        <a:ext cx="1746270" cy="876428"/>
       </dsp:txXfrm>
     </dsp:sp>
     <dsp:sp modelId="{4D6B7AC0-1EAF-4410-851B-4ACAE30E4F21}">
@@ -2270,8 +2270,8 @@
       </dsp:nvSpPr>
       <dsp:spPr>
         <a:xfrm>
-          <a:off x="990813" y="1813360"/>
-          <a:ext cx="2467030" cy="1240498"/>
+          <a:off x="1795989" y="1359677"/>
+          <a:ext cx="1851442" cy="930962"/>
         </a:xfrm>
         <a:prstGeom prst="roundRect">
           <a:avLst>
@@ -2322,8 +2322,8 @@
       </dsp:nvSpPr>
       <dsp:spPr>
         <a:xfrm>
-          <a:off x="1207873" y="2019567"/>
-          <a:ext cx="2467030" cy="1240498"/>
+          <a:off x="1958887" y="1514430"/>
+          <a:ext cx="1851442" cy="930962"/>
         </a:xfrm>
         <a:prstGeom prst="roundRect">
           <a:avLst>
@@ -2424,8 +2424,8 @@
         </a:p>
       </dsp:txBody>
       <dsp:txXfrm>
-        <a:off x="1244206" y="2055900"/>
-        <a:ext cx="2394364" cy="1167832"/>
+        <a:off x="1986154" y="1541697"/>
+        <a:ext cx="1796908" cy="876428"/>
       </dsp:txXfrm>
     </dsp:sp>
     <dsp:sp modelId="{B8BECC23-4A4F-42AE-8280-4F4EF405C53E}">
@@ -2435,8 +2435,8 @@
       </dsp:nvSpPr>
       <dsp:spPr>
         <a:xfrm>
-          <a:off x="464439" y="3622014"/>
-          <a:ext cx="1511318" cy="1240498"/>
+          <a:off x="1400959" y="2717025"/>
+          <a:ext cx="1134205" cy="930962"/>
         </a:xfrm>
         <a:prstGeom prst="roundRect">
           <a:avLst>
@@ -2487,8 +2487,8 @@
       </dsp:nvSpPr>
       <dsp:spPr>
         <a:xfrm>
-          <a:off x="681499" y="3828221"/>
-          <a:ext cx="1511318" cy="1240498"/>
+          <a:off x="1563857" y="2871778"/>
+          <a:ext cx="1134205" cy="930962"/>
         </a:xfrm>
         <a:prstGeom prst="roundRect">
           <a:avLst>
@@ -2571,8 +2571,8 @@
         </a:p>
       </dsp:txBody>
       <dsp:txXfrm>
-        <a:off x="717832" y="3864554"/>
-        <a:ext cx="1438652" cy="1167832"/>
+        <a:off x="1591124" y="2899045"/>
+        <a:ext cx="1079671" cy="876428"/>
       </dsp:txXfrm>
     </dsp:sp>
     <dsp:sp modelId="{5E12A1CE-52BE-45B9-803C-B2A8D0FDEDA4}">
@@ -2582,8 +2582,8 @@
       </dsp:nvSpPr>
       <dsp:spPr>
         <a:xfrm>
-          <a:off x="2409878" y="3622014"/>
-          <a:ext cx="1574339" cy="1240498"/>
+          <a:off x="2860961" y="2717025"/>
+          <a:ext cx="1181501" cy="930962"/>
         </a:xfrm>
         <a:prstGeom prst="roundRect">
           <a:avLst>
@@ -2634,8 +2634,8 @@
       </dsp:nvSpPr>
       <dsp:spPr>
         <a:xfrm>
-          <a:off x="2626938" y="3828221"/>
-          <a:ext cx="1574339" cy="1240498"/>
+          <a:off x="3023859" y="2871778"/>
+          <a:ext cx="1181501" cy="930962"/>
         </a:xfrm>
         <a:prstGeom prst="roundRect">
           <a:avLst>
@@ -2702,8 +2702,8 @@
         </a:p>
       </dsp:txBody>
       <dsp:txXfrm>
-        <a:off x="2663271" y="3864554"/>
-        <a:ext cx="1501673" cy="1167832"/>
+        <a:off x="3051126" y="2899045"/>
+        <a:ext cx="1126967" cy="876428"/>
       </dsp:txXfrm>
     </dsp:sp>
     <dsp:sp modelId="{6A1FEB10-9D0E-4D94-BEBF-FD63A4AE7E10}">
@@ -2713,8 +2713,8 @@
       </dsp:nvSpPr>
       <dsp:spPr>
         <a:xfrm>
-          <a:off x="5210648" y="1813360"/>
-          <a:ext cx="1750822" cy="1240498"/>
+          <a:off x="4962867" y="1359677"/>
+          <a:ext cx="1313947" cy="930962"/>
         </a:xfrm>
         <a:prstGeom prst="roundRect">
           <a:avLst>
@@ -2765,8 +2765,8 @@
       </dsp:nvSpPr>
       <dsp:spPr>
         <a:xfrm>
-          <a:off x="5427708" y="2019567"/>
-          <a:ext cx="1750822" cy="1240498"/>
+          <a:off x="5125765" y="1514430"/>
+          <a:ext cx="1313947" cy="930962"/>
         </a:xfrm>
         <a:prstGeom prst="roundRect">
           <a:avLst>
@@ -2850,8 +2850,8 @@
         </a:p>
       </dsp:txBody>
       <dsp:txXfrm>
-        <a:off x="5464041" y="2055900"/>
-        <a:ext cx="1678156" cy="1167832"/>
+        <a:off x="5153032" y="1541697"/>
+        <a:ext cx="1259413" cy="876428"/>
       </dsp:txXfrm>
     </dsp:sp>
     <dsp:sp modelId="{BCFA3FA9-9A2A-4C8B-9BA6-22EAB4CF7CFB}">
@@ -2861,8 +2861,8 @@
       </dsp:nvSpPr>
       <dsp:spPr>
         <a:xfrm>
-          <a:off x="4418338" y="3622014"/>
-          <a:ext cx="1437806" cy="1240498"/>
+          <a:off x="4368258" y="2717025"/>
+          <a:ext cx="1079037" cy="930962"/>
         </a:xfrm>
         <a:prstGeom prst="roundRect">
           <a:avLst>
@@ -2913,8 +2913,8 @@
       </dsp:nvSpPr>
       <dsp:spPr>
         <a:xfrm>
-          <a:off x="4635398" y="3828221"/>
-          <a:ext cx="1437806" cy="1240498"/>
+          <a:off x="4531156" y="2871778"/>
+          <a:ext cx="1079037" cy="930962"/>
         </a:xfrm>
         <a:prstGeom prst="roundRect">
           <a:avLst>
@@ -3006,8 +3006,8 @@
         </a:p>
       </dsp:txBody>
       <dsp:txXfrm>
-        <a:off x="4671731" y="3864554"/>
-        <a:ext cx="1365140" cy="1167832"/>
+        <a:off x="4558423" y="2899045"/>
+        <a:ext cx="1024503" cy="876428"/>
       </dsp:txXfrm>
     </dsp:sp>
     <dsp:sp modelId="{80631800-E305-4C96-BF86-3601594F129B}">
@@ -3017,8 +3017,8 @@
       </dsp:nvSpPr>
       <dsp:spPr>
         <a:xfrm>
-          <a:off x="6290265" y="3622014"/>
-          <a:ext cx="1463515" cy="1240498"/>
+          <a:off x="5773092" y="2717025"/>
+          <a:ext cx="1098330" cy="930962"/>
         </a:xfrm>
         <a:prstGeom prst="roundRect">
           <a:avLst>
@@ -3069,8 +3069,8 @@
       </dsp:nvSpPr>
       <dsp:spPr>
         <a:xfrm>
-          <a:off x="6507325" y="3828221"/>
-          <a:ext cx="1463515" cy="1240498"/>
+          <a:off x="5935990" y="2871778"/>
+          <a:ext cx="1098330" cy="930962"/>
         </a:xfrm>
         <a:prstGeom prst="roundRect">
           <a:avLst>
@@ -3162,8 +3162,8 @@
         </a:p>
       </dsp:txBody>
       <dsp:txXfrm>
-        <a:off x="6543658" y="3864554"/>
-        <a:ext cx="1390849" cy="1167832"/>
+        <a:off x="5963257" y="2899045"/>
+        <a:ext cx="1043796" cy="876428"/>
       </dsp:txXfrm>
     </dsp:sp>
   </dsp:spTree>
@@ -4867,8 +4867,8 @@
         </p:nvSpPr>
         <p:spPr>
           <a:xfrm>
-            <a:off x="1143000" y="685800"/>
-            <a:ext cx="4572000" cy="3429000"/>
+            <a:off x="381000" y="685800"/>
+            <a:ext cx="6096000" cy="3429000"/>
           </a:xfrm>
           <a:prstGeom prst="rect">
             <a:avLst/>
@@ -5146,8 +5146,8 @@
         </p:nvSpPr>
         <p:spPr>
           <a:xfrm>
-            <a:off x="457200" y="6356350"/>
-            <a:ext cx="2133600" cy="365125"/>
+            <a:off x="457200" y="4767263"/>
+            <a:ext cx="2133600" cy="273844"/>
           </a:xfrm>
           <a:prstGeom prst="rect">
             <a:avLst/>
@@ -5177,8 +5177,8 @@
         </p:nvSpPr>
         <p:spPr>
           <a:xfrm>
-            <a:off x="3124200" y="6356350"/>
-            <a:ext cx="2895600" cy="365125"/>
+            <a:off x="3124200" y="4767263"/>
+            <a:ext cx="2895600" cy="273844"/>
           </a:xfrm>
           <a:prstGeom prst="rect">
             <a:avLst/>
@@ -5204,8 +5204,8 @@
         </p:nvSpPr>
         <p:spPr>
           <a:xfrm>
-            <a:off x="6553200" y="6356350"/>
-            <a:ext cx="2133600" cy="365125"/>
+            <a:off x="6553200" y="4767263"/>
+            <a:ext cx="2133600" cy="273844"/>
           </a:xfrm>
           <a:prstGeom prst="rect">
             <a:avLst/>
@@ -5231,8 +5231,8 @@
         </p:nvSpPr>
         <p:spPr>
           <a:xfrm>
-            <a:off x="2106" y="818866"/>
-            <a:ext cx="9144000" cy="6210887"/>
+            <a:off x="2106" y="614150"/>
+            <a:ext cx="9144000" cy="4658165"/>
           </a:xfrm>
           <a:prstGeom prst="rect">
             <a:avLst/>
@@ -5277,8 +5277,8 @@
         </p:nvSpPr>
         <p:spPr>
           <a:xfrm>
-            <a:off x="0" y="-1"/>
-            <a:ext cx="9145588" cy="818867"/>
+            <a:off x="0" y="0"/>
+            <a:ext cx="9145588" cy="614150"/>
           </a:xfrm>
           <a:prstGeom prst="rect">
             <a:avLst/>
@@ -5327,8 +5327,8 @@
         </p:nvSpPr>
         <p:spPr>
           <a:xfrm>
-            <a:off x="685800" y="2130425"/>
-            <a:ext cx="7772400" cy="1470025"/>
+            <a:off x="685800" y="1597819"/>
+            <a:ext cx="7772400" cy="1102519"/>
           </a:xfrm>
         </p:spPr>
         <p:txBody>
@@ -5367,8 +5367,8 @@
         </p:nvSpPr>
         <p:spPr>
           <a:xfrm>
-            <a:off x="1371600" y="3886200"/>
-            <a:ext cx="6400800" cy="1752600"/>
+            <a:off x="1371600" y="2914650"/>
+            <a:ext cx="6400800" cy="1314450"/>
           </a:xfrm>
         </p:spPr>
         <p:txBody>
@@ -5511,8 +5511,8 @@
         </p:nvSpPr>
         <p:spPr>
           <a:xfrm>
-            <a:off x="251520" y="1124744"/>
-            <a:ext cx="8229600" cy="4525963"/>
+            <a:off x="251520" y="843558"/>
+            <a:ext cx="8229600" cy="3394472"/>
           </a:xfrm>
         </p:spPr>
         <p:txBody>
@@ -5595,8 +5595,8 @@
         </p:nvSpPr>
         <p:spPr>
           <a:xfrm>
-            <a:off x="0" y="-1"/>
-            <a:ext cx="9145588" cy="818867"/>
+            <a:off x="0" y="0"/>
+            <a:ext cx="9145588" cy="614150"/>
           </a:xfrm>
           <a:prstGeom prst="rect">
             <a:avLst/>
@@ -5645,8 +5645,8 @@
         </p:nvSpPr>
         <p:spPr>
           <a:xfrm>
-            <a:off x="14265" y="-1"/>
-            <a:ext cx="9022231" cy="818867"/>
+            <a:off x="14265" y="0"/>
+            <a:ext cx="9022231" cy="614150"/>
           </a:xfrm>
         </p:spPr>
         <p:txBody>
@@ -5710,8 +5710,8 @@
         </p:nvSpPr>
         <p:spPr>
           <a:xfrm>
-            <a:off x="683568" y="1052736"/>
-            <a:ext cx="7666037" cy="4641850"/>
+            <a:off x="683568" y="789552"/>
+            <a:ext cx="7666037" cy="3481388"/>
           </a:xfrm>
         </p:spPr>
         <p:txBody>
@@ -5794,8 +5794,8 @@
         </p:nvSpPr>
         <p:spPr>
           <a:xfrm>
-            <a:off x="0" y="-1"/>
-            <a:ext cx="9145588" cy="818867"/>
+            <a:off x="0" y="0"/>
+            <a:ext cx="9145588" cy="614150"/>
           </a:xfrm>
           <a:prstGeom prst="rect">
             <a:avLst/>
@@ -5886,8 +5886,8 @@
         </p:nvSpPr>
         <p:spPr>
           <a:xfrm>
-            <a:off x="457200" y="274638"/>
-            <a:ext cx="8229600" cy="1143000"/>
+            <a:off x="457200" y="205978"/>
+            <a:ext cx="8229600" cy="857250"/>
           </a:xfrm>
           <a:prstGeom prst="rect">
             <a:avLst/>
@@ -5919,8 +5919,8 @@
         </p:nvSpPr>
         <p:spPr>
           <a:xfrm>
-            <a:off x="457200" y="1600200"/>
-            <a:ext cx="8229600" cy="4525963"/>
+            <a:off x="457200" y="1200151"/>
+            <a:ext cx="8229600" cy="3394472"/>
           </a:xfrm>
           <a:prstGeom prst="rect">
             <a:avLst/>
@@ -6260,7 +6260,7 @@
         <p:spPr/>
         <p:txBody>
           <a:bodyPr>
-            <a:normAutofit/>
+            <a:normAutofit fontScale="90000"/>
           </a:bodyPr>
           <a:lstStyle/>
           <a:p>
@@ -6347,8 +6347,8 @@
         </p:nvSpPr>
         <p:spPr>
           <a:xfrm>
-            <a:off x="251520" y="980728"/>
-            <a:ext cx="8229600" cy="4525963"/>
+            <a:off x="251520" y="735546"/>
+            <a:ext cx="8229600" cy="3394472"/>
           </a:xfrm>
         </p:spPr>
         <p:txBody>
@@ -6450,7 +6450,9 @@
         </p:nvSpPr>
         <p:spPr/>
         <p:txBody>
-          <a:bodyPr/>
+          <a:bodyPr>
+            <a:normAutofit fontScale="90000"/>
+          </a:bodyPr>
           <a:lstStyle/>
           <a:p>
             <a:r>
@@ -6483,8 +6485,8 @@
         </p:blipFill>
         <p:spPr bwMode="auto">
           <a:xfrm>
-            <a:off x="611560" y="3573016"/>
-            <a:ext cx="3657600" cy="2895600"/>
+            <a:off x="611560" y="2679762"/>
+            <a:ext cx="3657600" cy="2171700"/>
           </a:xfrm>
           <a:prstGeom prst="rect">
             <a:avLst/>
@@ -6537,8 +6539,8 @@
         </p:blipFill>
         <p:spPr bwMode="auto">
           <a:xfrm>
-            <a:off x="4551851" y="3573016"/>
-            <a:ext cx="3571875" cy="2857500"/>
+            <a:off x="4551852" y="2679762"/>
+            <a:ext cx="3571875" cy="2143125"/>
           </a:xfrm>
           <a:prstGeom prst="rect">
             <a:avLst/>
@@ -6617,8 +6619,8 @@
         </p:nvSpPr>
         <p:spPr>
           <a:xfrm>
-            <a:off x="251520" y="908720"/>
-            <a:ext cx="8496944" cy="5256584"/>
+            <a:off x="251520" y="681540"/>
+            <a:ext cx="8496944" cy="3942438"/>
           </a:xfrm>
         </p:spPr>
         <p:txBody>
@@ -6629,7 +6631,7 @@
           <a:p>
             <a:pPr>
               <a:lnSpc>
-                <a:spcPct val="150000"/>
+                <a:spcPts val="3400"/>
               </a:lnSpc>
               <a:spcBef>
                 <a:spcPts val="0"/>
@@ -6644,7 +6646,7 @@
           <a:p>
             <a:pPr lvl="1">
               <a:lnSpc>
-                <a:spcPct val="150000"/>
+                <a:spcPts val="3400"/>
               </a:lnSpc>
               <a:spcBef>
                 <a:spcPts val="0"/>
@@ -6669,7 +6671,7 @@
           <a:p>
             <a:pPr lvl="1">
               <a:lnSpc>
-                <a:spcPct val="150000"/>
+                <a:spcPts val="3400"/>
               </a:lnSpc>
               <a:spcBef>
                 <a:spcPts val="0"/>
@@ -6694,7 +6696,7 @@
           <a:p>
             <a:pPr lvl="1">
               <a:lnSpc>
-                <a:spcPct val="150000"/>
+                <a:spcPts val="3400"/>
               </a:lnSpc>
               <a:spcBef>
                 <a:spcPts val="0"/>
@@ -6719,7 +6721,7 @@
           <a:p>
             <a:pPr>
               <a:lnSpc>
-                <a:spcPct val="150000"/>
+                <a:spcPts val="3400"/>
               </a:lnSpc>
               <a:spcBef>
                 <a:spcPts val="0"/>
@@ -6742,7 +6744,7 @@
           <a:p>
             <a:pPr lvl="1">
               <a:lnSpc>
-                <a:spcPct val="150000"/>
+                <a:spcPts val="3400"/>
               </a:lnSpc>
               <a:spcBef>
                 <a:spcPts val="0"/>
@@ -6759,7 +6761,7 @@
           <a:p>
             <a:pPr lvl="1">
               <a:lnSpc>
-                <a:spcPct val="150000"/>
+                <a:spcPts val="3400"/>
               </a:lnSpc>
               <a:spcBef>
                 <a:spcPts val="0"/>
@@ -6776,7 +6778,7 @@
           <a:p>
             <a:pPr lvl="1">
               <a:lnSpc>
-                <a:spcPct val="150000"/>
+                <a:spcPts val="3400"/>
               </a:lnSpc>
               <a:spcBef>
                 <a:spcPts val="0"/>
@@ -6801,7 +6803,7 @@
           <a:p>
             <a:pPr>
               <a:lnSpc>
-                <a:spcPct val="150000"/>
+                <a:spcPts val="3400"/>
               </a:lnSpc>
               <a:spcBef>
                 <a:spcPts val="0"/>
@@ -6824,7 +6826,7 @@
           <a:p>
             <a:pPr>
               <a:lnSpc>
-                <a:spcPct val="150000"/>
+                <a:spcPts val="3400"/>
               </a:lnSpc>
               <a:spcBef>
                 <a:spcPts val="0"/>
@@ -6850,7 +6852,9 @@
         </p:nvSpPr>
         <p:spPr/>
         <p:txBody>
-          <a:bodyPr/>
+          <a:bodyPr>
+            <a:normAutofit fontScale="90000"/>
+          </a:bodyPr>
           <a:lstStyle/>
           <a:p>
             <a:r>
@@ -6921,8 +6925,8 @@
         </p:blipFill>
         <p:spPr>
           <a:xfrm>
-            <a:off x="687346" y="1389080"/>
-            <a:ext cx="4505325" cy="3762375"/>
+            <a:off x="687346" y="1041811"/>
+            <a:ext cx="4505325" cy="2821781"/>
           </a:xfrm>
           <a:noFill/>
         </p:spPr>
@@ -6939,7 +6943,9 @@
         </p:nvSpPr>
         <p:spPr/>
         <p:txBody>
-          <a:bodyPr/>
+          <a:bodyPr>
+            <a:normAutofit fontScale="90000"/>
+          </a:bodyPr>
           <a:lstStyle/>
           <a:p>
             <a:r>
@@ -6972,8 +6978,8 @@
         </p:blipFill>
         <p:spPr bwMode="auto">
           <a:xfrm>
-            <a:off x="5214938" y="4071938"/>
-            <a:ext cx="3714750" cy="2157412"/>
+            <a:off x="5214938" y="3053954"/>
+            <a:ext cx="3714750" cy="1618059"/>
           </a:xfrm>
           <a:prstGeom prst="rect">
             <a:avLst/>
@@ -7026,8 +7032,8 @@
         </p:blipFill>
         <p:spPr bwMode="auto">
           <a:xfrm>
-            <a:off x="5072063" y="1191501"/>
-            <a:ext cx="4000500" cy="2571750"/>
+            <a:off x="5072063" y="893626"/>
+            <a:ext cx="4000500" cy="1928813"/>
           </a:xfrm>
           <a:prstGeom prst="rect">
             <a:avLst/>
@@ -7118,8 +7124,8 @@
         </p:blipFill>
         <p:spPr>
           <a:xfrm>
-            <a:off x="2295525" y="2720181"/>
-            <a:ext cx="4552950" cy="2286000"/>
+            <a:off x="2295525" y="2040136"/>
+            <a:ext cx="4552950" cy="1714500"/>
           </a:xfrm>
           <a:noFill/>
         </p:spPr>
@@ -7136,8 +7142,8 @@
         </p:nvSpPr>
         <p:spPr>
           <a:xfrm>
-            <a:off x="6553200" y="6356350"/>
-            <a:ext cx="2133600" cy="365125"/>
+            <a:off x="6553200" y="4767263"/>
+            <a:ext cx="2133600" cy="273844"/>
           </a:xfrm>
           <a:prstGeom prst="rect">
             <a:avLst/>
@@ -7296,7 +7302,9 @@
         </p:nvSpPr>
         <p:spPr/>
         <p:txBody>
-          <a:bodyPr/>
+          <a:bodyPr>
+            <a:normAutofit fontScale="90000"/>
+          </a:bodyPr>
           <a:lstStyle/>
           <a:p>
             <a:r>
@@ -7329,8 +7337,8 @@
         </p:blipFill>
         <p:spPr bwMode="auto">
           <a:xfrm>
-            <a:off x="714375" y="4286250"/>
-            <a:ext cx="5357813" cy="1581150"/>
+            <a:off x="714376" y="3214687"/>
+            <a:ext cx="5357813" cy="1185863"/>
           </a:xfrm>
           <a:prstGeom prst="rect">
             <a:avLst/>
@@ -7383,8 +7391,8 @@
         </p:blipFill>
         <p:spPr bwMode="auto">
           <a:xfrm>
-            <a:off x="6143625" y="1428750"/>
-            <a:ext cx="2786063" cy="4357688"/>
+            <a:off x="6143626" y="1071563"/>
+            <a:ext cx="2786063" cy="3268266"/>
           </a:xfrm>
           <a:prstGeom prst="rect">
             <a:avLst/>
@@ -7475,8 +7483,8 @@
         </p:blipFill>
         <p:spPr>
           <a:xfrm>
-            <a:off x="611560" y="2578894"/>
-            <a:ext cx="4200525" cy="1028700"/>
+            <a:off x="611561" y="1934171"/>
+            <a:ext cx="4200525" cy="771525"/>
           </a:xfrm>
           <a:noFill/>
         </p:spPr>
@@ -7493,7 +7501,9 @@
         </p:nvSpPr>
         <p:spPr/>
         <p:txBody>
-          <a:bodyPr/>
+          <a:bodyPr>
+            <a:normAutofit fontScale="90000"/>
+          </a:bodyPr>
           <a:lstStyle/>
           <a:p>
             <a:r>
@@ -7534,8 +7544,8 @@
         </p:blipFill>
         <p:spPr bwMode="auto">
           <a:xfrm>
-            <a:off x="5429250" y="1785938"/>
-            <a:ext cx="3214688" cy="3643312"/>
+            <a:off x="5429250" y="1339454"/>
+            <a:ext cx="3214688" cy="2732484"/>
           </a:xfrm>
           <a:prstGeom prst="rect">
             <a:avLst/>
@@ -7626,8 +7636,8 @@
         </p:blipFill>
         <p:spPr>
           <a:xfrm>
-            <a:off x="395536" y="2420888"/>
-            <a:ext cx="4010025" cy="1019175"/>
+            <a:off x="395537" y="1815667"/>
+            <a:ext cx="4010025" cy="764381"/>
           </a:xfrm>
           <a:noFill/>
         </p:spPr>
@@ -7644,7 +7654,9 @@
         </p:nvSpPr>
         <p:spPr/>
         <p:txBody>
-          <a:bodyPr/>
+          <a:bodyPr>
+            <a:normAutofit fontScale="90000"/>
+          </a:bodyPr>
           <a:lstStyle/>
           <a:p>
             <a:r>
@@ -7685,8 +7697,8 @@
         </p:blipFill>
         <p:spPr bwMode="auto">
           <a:xfrm>
-            <a:off x="5143500" y="1714500"/>
-            <a:ext cx="3643313" cy="4714875"/>
+            <a:off x="5143501" y="1285876"/>
+            <a:ext cx="3643313" cy="3536156"/>
           </a:xfrm>
           <a:prstGeom prst="rect">
             <a:avLst/>
@@ -7766,7 +7778,7 @@
         <p:spPr/>
         <p:txBody>
           <a:bodyPr>
-            <a:normAutofit/>
+            <a:normAutofit fontScale="90000"/>
           </a:bodyPr>
           <a:lstStyle/>
           <a:p>
@@ -7794,7 +7806,9 @@
         </p:nvSpPr>
         <p:spPr/>
         <p:txBody>
-          <a:bodyPr/>
+          <a:bodyPr>
+            <a:normAutofit fontScale="92500" lnSpcReduction="10000"/>
+          </a:bodyPr>
           <a:lstStyle/>
           <a:p>
             <a:pPr marL="0" indent="0">
@@ -7979,13 +7993,13 @@
         </p:nvSpPr>
         <p:spPr>
           <a:xfrm>
-            <a:off x="251520" y="1052736"/>
-            <a:ext cx="8496944" cy="4968552"/>
+            <a:off x="251520" y="789552"/>
+            <a:ext cx="8496944" cy="3726414"/>
           </a:xfrm>
         </p:spPr>
         <p:txBody>
           <a:bodyPr>
-            <a:normAutofit fontScale="92500"/>
+            <a:normAutofit fontScale="85000" lnSpcReduction="10000"/>
           </a:bodyPr>
           <a:lstStyle/>
           <a:p>
@@ -8146,7 +8160,9 @@
         </p:nvSpPr>
         <p:spPr/>
         <p:txBody>
-          <a:bodyPr/>
+          <a:bodyPr>
+            <a:normAutofit fontScale="90000"/>
+          </a:bodyPr>
           <a:lstStyle/>
           <a:p>
             <a:r>
@@ -8213,7 +8229,9 @@
         </p:nvSpPr>
         <p:spPr/>
         <p:txBody>
-          <a:bodyPr/>
+          <a:bodyPr>
+            <a:normAutofit fontScale="90000"/>
+          </a:bodyPr>
           <a:lstStyle/>
           <a:p>
             <a:r>
@@ -8236,8 +8254,8 @@
         </p:nvSpPr>
         <p:spPr>
           <a:xfrm>
-            <a:off x="248469" y="1246875"/>
-            <a:ext cx="8229600" cy="4525963"/>
+            <a:off x="248469" y="935157"/>
+            <a:ext cx="8229600" cy="3394472"/>
           </a:xfrm>
         </p:spPr>
         <p:txBody>
@@ -8292,8 +8310,8 @@
         </p:blipFill>
         <p:spPr bwMode="auto">
           <a:xfrm>
-            <a:off x="467544" y="1196752"/>
-            <a:ext cx="3895725" cy="1771650"/>
+            <a:off x="467545" y="897564"/>
+            <a:ext cx="3895725" cy="1328738"/>
           </a:xfrm>
           <a:prstGeom prst="rect">
             <a:avLst/>
@@ -8356,8 +8374,8 @@
         </p:blipFill>
         <p:spPr bwMode="auto">
           <a:xfrm>
-            <a:off x="4686289" y="923617"/>
-            <a:ext cx="3895725" cy="1828800"/>
+            <a:off x="4686290" y="692713"/>
+            <a:ext cx="3895725" cy="1371600"/>
           </a:xfrm>
           <a:prstGeom prst="rect">
             <a:avLst/>
@@ -8420,8 +8438,8 @@
         </p:blipFill>
         <p:spPr bwMode="auto">
           <a:xfrm>
-            <a:off x="695845" y="4005064"/>
-            <a:ext cx="7980887" cy="648072"/>
+            <a:off x="827584" y="3867894"/>
+            <a:ext cx="7980887" cy="486054"/>
           </a:xfrm>
           <a:prstGeom prst="rect">
             <a:avLst/>
@@ -8511,7 +8529,7 @@
         <p:spPr/>
         <p:txBody>
           <a:bodyPr>
-            <a:normAutofit/>
+            <a:normAutofit fontScale="85000" lnSpcReduction="20000"/>
           </a:bodyPr>
           <a:lstStyle/>
           <a:p>
@@ -8723,7 +8741,9 @@
         </p:nvSpPr>
         <p:spPr/>
         <p:txBody>
-          <a:bodyPr/>
+          <a:bodyPr>
+            <a:normAutofit fontScale="90000"/>
+          </a:bodyPr>
           <a:lstStyle/>
           <a:p>
             <a:r>
@@ -8866,7 +8886,9 @@
         </p:nvSpPr>
         <p:spPr/>
         <p:txBody>
-          <a:bodyPr/>
+          <a:bodyPr>
+            <a:normAutofit fontScale="90000"/>
+          </a:bodyPr>
           <a:lstStyle/>
           <a:p>
             <a:r>
@@ -8924,14 +8946,14 @@
             <p:ph idx="1"/>
             <p:extLst>
               <p:ext uri="{D42A27DB-BD31-4B8C-83A1-F6EECF244321}">
-                <p14:modId xmlns:p14="http://schemas.microsoft.com/office/powerpoint/2010/main" val="4203659884"/>
+                <p14:modId xmlns:p14="http://schemas.microsoft.com/office/powerpoint/2010/main" val="2960533816"/>
               </p:ext>
             </p:extLst>
           </p:nvPr>
         </p:nvGraphicFramePr>
         <p:xfrm>
-          <a:off x="251520" y="1052736"/>
-          <a:ext cx="8435280" cy="5073427"/>
+          <a:off x="140049" y="915566"/>
+          <a:ext cx="8435280" cy="3805070"/>
         </p:xfrm>
         <a:graphic>
           <a:graphicData uri="http://schemas.openxmlformats.org/drawingml/2006/diagram">
@@ -8951,7 +8973,9 @@
         </p:nvSpPr>
         <p:spPr/>
         <p:txBody>
-          <a:bodyPr/>
+          <a:bodyPr>
+            <a:normAutofit fontScale="90000"/>
+          </a:bodyPr>
           <a:lstStyle/>
           <a:p>
             <a:r>
@@ -8971,8 +8995,8 @@
         </p:nvSpPr>
         <p:spPr bwMode="auto">
           <a:xfrm>
-            <a:off x="4357688" y="4000500"/>
-            <a:ext cx="1714500" cy="46038"/>
+            <a:off x="4357688" y="3000375"/>
+            <a:ext cx="1714500" cy="34529"/>
           </a:xfrm>
           <a:prstGeom prst="rightArrow">
             <a:avLst>
@@ -9022,8 +9046,8 @@
         </p:nvCxnSpPr>
         <p:spPr bwMode="auto">
           <a:xfrm flipV="1">
-            <a:off x="4357688" y="3500438"/>
-            <a:ext cx="1285875" cy="142875"/>
+            <a:off x="4357689" y="2625329"/>
+            <a:ext cx="1285875" cy="107156"/>
           </a:xfrm>
           <a:prstGeom prst="straightConnector1">
             <a:avLst/>
@@ -9112,8 +9136,8 @@
         </p:blipFill>
         <p:spPr>
           <a:xfrm>
-            <a:off x="1619672" y="1340768"/>
-            <a:ext cx="5676900" cy="2505075"/>
+            <a:off x="1619672" y="1005577"/>
+            <a:ext cx="5676900" cy="1878806"/>
           </a:xfrm>
           <a:noFill/>
         </p:spPr>
@@ -9130,7 +9154,9 @@
         </p:nvSpPr>
         <p:spPr/>
         <p:txBody>
-          <a:bodyPr/>
+          <a:bodyPr>
+            <a:normAutofit fontScale="90000"/>
+          </a:bodyPr>
           <a:lstStyle/>
           <a:p>
             <a:r>
@@ -9163,8 +9189,8 @@
         </p:blipFill>
         <p:spPr bwMode="auto">
           <a:xfrm>
-            <a:off x="1143000" y="4071938"/>
-            <a:ext cx="4572000" cy="2071687"/>
+            <a:off x="1143000" y="3053954"/>
+            <a:ext cx="4572000" cy="1553765"/>
           </a:xfrm>
           <a:prstGeom prst="rect">
             <a:avLst/>
@@ -9217,8 +9243,8 @@
         </p:blipFill>
         <p:spPr bwMode="auto">
           <a:xfrm>
-            <a:off x="5786438" y="4071938"/>
-            <a:ext cx="2414587" cy="2105025"/>
+            <a:off x="5786439" y="3053954"/>
+            <a:ext cx="2414587" cy="1578769"/>
           </a:xfrm>
           <a:prstGeom prst="rect">
             <a:avLst/>
@@ -9297,8 +9323,8 @@
         </p:nvSpPr>
         <p:spPr>
           <a:xfrm>
-            <a:off x="251520" y="908720"/>
-            <a:ext cx="8892480" cy="4525963"/>
+            <a:off x="251520" y="681541"/>
+            <a:ext cx="8892480" cy="3394472"/>
           </a:xfrm>
         </p:spPr>
         <p:txBody>
@@ -9467,7 +9493,7 @@
         <p:spPr/>
         <p:txBody>
           <a:bodyPr>
-            <a:normAutofit/>
+            <a:normAutofit fontScale="90000"/>
           </a:bodyPr>
           <a:lstStyle/>
           <a:p>
@@ -9501,8 +9527,8 @@
         </p:blipFill>
         <p:spPr bwMode="auto">
           <a:xfrm>
-            <a:off x="1043608" y="4221088"/>
-            <a:ext cx="7636972" cy="2160240"/>
+            <a:off x="1043608" y="3165816"/>
+            <a:ext cx="7636972" cy="1620180"/>
           </a:xfrm>
           <a:prstGeom prst="rect">
             <a:avLst/>
@@ -9593,8 +9619,8 @@
         </p:blipFill>
         <p:spPr>
           <a:xfrm>
-            <a:off x="1425041" y="1600200"/>
-            <a:ext cx="6293917" cy="4525963"/>
+            <a:off x="1425042" y="1200151"/>
+            <a:ext cx="6293917" cy="3394472"/>
           </a:xfrm>
           <a:noFill/>
         </p:spPr>
@@ -9611,7 +9637,9 @@
         </p:nvSpPr>
         <p:spPr/>
         <p:txBody>
-          <a:bodyPr/>
+          <a:bodyPr>
+            <a:normAutofit fontScale="90000"/>
+          </a:bodyPr>
           <a:lstStyle/>
           <a:p>
             <a:r>
@@ -9644,8 +9672,8 @@
         </p:blipFill>
         <p:spPr bwMode="auto">
           <a:xfrm>
-            <a:off x="1643063" y="4786313"/>
-            <a:ext cx="6286500" cy="1171575"/>
+            <a:off x="1643063" y="3589735"/>
+            <a:ext cx="6286500" cy="878681"/>
           </a:xfrm>
           <a:prstGeom prst="rect">
             <a:avLst/>
